--- a/Apresentação/Arquitetura de Computadores3.pptx
+++ b/Apresentação/Arquitetura de Computadores3.pptx
@@ -5,19 +5,19 @@
     <p:sldMasterId id="2147483648" r:id="rId1"/>
   </p:sldMasterIdLst>
   <p:notesMasterIdLst>
-    <p:notesMasterId r:id="rId9"/>
+    <p:notesMasterId r:id="rId12"/>
   </p:notesMasterIdLst>
   <p:sldIdLst>
-    <p:sldId id="257" r:id="rId3"/>
-    <p:sldId id="259" r:id="rId4"/>
-    <p:sldId id="258" r:id="rId5"/>
-    <p:sldId id="260" r:id="rId6"/>
-    <p:sldId id="261" r:id="rId7"/>
-    <p:sldId id="262" r:id="rId8"/>
-    <p:sldId id="263" r:id="rId10"/>
-    <p:sldId id="267" r:id="rId11"/>
-    <p:sldId id="264" r:id="rId12"/>
-    <p:sldId id="266" r:id="rId13"/>
+    <p:sldId id="257" r:id="rId2"/>
+    <p:sldId id="259" r:id="rId3"/>
+    <p:sldId id="258" r:id="rId4"/>
+    <p:sldId id="260" r:id="rId5"/>
+    <p:sldId id="261" r:id="rId6"/>
+    <p:sldId id="262" r:id="rId7"/>
+    <p:sldId id="263" r:id="rId8"/>
+    <p:sldId id="267" r:id="rId9"/>
+    <p:sldId id="264" r:id="rId10"/>
+    <p:sldId id="266" r:id="rId11"/>
   </p:sldIdLst>
   <p:sldSz cx="12192000" cy="6858000"/>
   <p:notesSz cx="6858000" cy="9144000"/>
@@ -116,6 +116,14 @@
       </a:defRPr>
     </a:lvl9pPr>
   </p:defaultTextStyle>
+  <p:extLst>
+    <p:ext uri="{EFAFB233-063F-42B5-8137-9DF3F51BA10A}">
+      <p15:sldGuideLst xmlns:p15="http://schemas.microsoft.com/office/powerpoint/2012/main"/>
+    </p:ext>
+    <p:ext uri="{2D200454-40CA-4A62-9FC3-DE9A4176ACB9}">
+      <p15:notesGuideLst xmlns:p15="http://schemas.microsoft.com/office/powerpoint/2012/main"/>
+    </p:ext>
+  </p:extLst>
 </p:presentation>
 </file>
 
@@ -201,6 +209,7 @@
           <a:p>
             <a:fld id="{6C70B395-2DD1-4E0C-AD7F-C33E717CE14B}" type="datetimeFigureOut">
               <a:rPr lang="pt-BR" smtClean="0"/>
+              <a:t>09/03/2017</a:t>
             </a:fld>
             <a:endParaRPr lang="pt-BR"/>
           </a:p>
@@ -267,7 +276,6 @@
               <a:rPr lang="pt-BR" smtClean="0"/>
               <a:t>Editar estilos de texto Mestre</a:t>
             </a:r>
-            <a:endParaRPr lang="pt-BR" smtClean="0"/>
           </a:p>
           <a:p>
             <a:pPr lvl="1"/>
@@ -275,7 +283,6 @@
               <a:rPr lang="pt-BR" smtClean="0"/>
               <a:t>Segundo nível</a:t>
             </a:r>
-            <a:endParaRPr lang="pt-BR" smtClean="0"/>
           </a:p>
           <a:p>
             <a:pPr lvl="2"/>
@@ -283,7 +290,6 @@
               <a:rPr lang="pt-BR" smtClean="0"/>
               <a:t>Terceiro nível</a:t>
             </a:r>
-            <a:endParaRPr lang="pt-BR" smtClean="0"/>
           </a:p>
           <a:p>
             <a:pPr lvl="3"/>
@@ -291,7 +297,6 @@
               <a:rPr lang="pt-BR" smtClean="0"/>
               <a:t>Quarto nível</a:t>
             </a:r>
-            <a:endParaRPr lang="pt-BR" smtClean="0"/>
           </a:p>
           <a:p>
             <a:pPr lvl="4"/>
@@ -363,12 +368,18 @@
           <a:p>
             <a:fld id="{A6666332-D461-43D9-A1C1-8FF0295CCEC5}" type="slidenum">
               <a:rPr lang="pt-BR" smtClean="0"/>
+              <a:t>‹nº›</a:t>
             </a:fld>
             <a:endParaRPr lang="pt-BR"/>
           </a:p>
         </p:txBody>
       </p:sp>
     </p:spTree>
+    <p:extLst>
+      <p:ext uri="{BB962C8B-B14F-4D97-AF65-F5344CB8AC3E}">
+        <p14:creationId xmlns:p14="http://schemas.microsoft.com/office/powerpoint/2010/main" val="422610281"/>
+      </p:ext>
+    </p:extLst>
   </p:cSld>
   <p:clrMap bg1="lt1" tx1="dk1" bg2="lt2" tx2="dk2" accent1="accent1" accent2="accent2" accent3="accent3" accent4="accent4" accent5="accent5" accent6="accent6" hlink="hlink" folHlink="folHlink"/>
   <p:notesStyle>
@@ -475,11 +486,20 @@
         <p:cNvGrpSpPr/>
         <p:nvPr/>
       </p:nvGrpSpPr>
-      <p:grpSpPr/>
+      <p:grpSpPr>
+        <a:xfrm>
+          <a:off x="0" y="0"/>
+          <a:ext cx="0" cy="0"/>
+          <a:chOff x="0" y="0"/>
+          <a:chExt cx="0" cy="0"/>
+        </a:xfrm>
+      </p:grpSpPr>
       <p:sp>
         <p:nvSpPr>
           <p:cNvPr id="2" name="Espaço Reservado para Imagem de Slide 1"/>
-          <p:cNvSpPr/>
+          <p:cNvSpPr>
+            <a:spLocks noGrp="1" noRot="1" noChangeAspect="1"/>
+          </p:cNvSpPr>
           <p:nvPr>
             <p:ph type="sldImg" idx="2"/>
           </p:nvPr>
@@ -489,7 +509,9 @@
       <p:sp>
         <p:nvSpPr>
           <p:cNvPr id="3" name="Espaço Reservado para Texto 2"/>
-          <p:cNvSpPr/>
+          <p:cNvSpPr>
+            <a:spLocks noGrp="1"/>
+          </p:cNvSpPr>
           <p:nvPr>
             <p:ph type="body" idx="3"/>
           </p:nvPr>
@@ -497,12 +519,18 @@
         <p:spPr/>
         <p:txBody>
           <a:bodyPr/>
+          <a:lstStyle/>
           <a:p>
             <a:endParaRPr lang="pt-BR" altLang="en-US"/>
           </a:p>
         </p:txBody>
       </p:sp>
     </p:spTree>
+    <p:extLst>
+      <p:ext uri="{BB962C8B-B14F-4D97-AF65-F5344CB8AC3E}">
+        <p14:creationId xmlns:p14="http://schemas.microsoft.com/office/powerpoint/2010/main" val="640697783"/>
+      </p:ext>
+    </p:extLst>
   </p:cSld>
   <p:clrMapOvr>
     <a:masterClrMapping/>
@@ -641,6 +669,7 @@
           <a:p>
             <a:fld id="{AC89BC54-1CDC-4473-9720-F58E1E464D2A}" type="datetimeFigureOut">
               <a:rPr lang="pt-BR" smtClean="0"/>
+              <a:t>09/03/2017</a:t>
             </a:fld>
             <a:endParaRPr lang="pt-BR"/>
           </a:p>
@@ -682,6 +711,7 @@
           <a:p>
             <a:fld id="{E3682030-28A4-485C-A222-4952DDFF562A}" type="slidenum">
               <a:rPr lang="pt-BR" smtClean="0"/>
+              <a:t>‹nº›</a:t>
             </a:fld>
             <a:endParaRPr lang="pt-BR"/>
           </a:p>
@@ -738,7 +768,6 @@
               <a:rPr lang="pt-BR" smtClean="0"/>
               <a:t>Editar estilos de texto Mestre</a:t>
             </a:r>
-            <a:endParaRPr lang="pt-BR" smtClean="0"/>
           </a:p>
           <a:p>
             <a:pPr lvl="1"/>
@@ -746,7 +775,6 @@
               <a:rPr lang="pt-BR" smtClean="0"/>
               <a:t>Segundo nível</a:t>
             </a:r>
-            <a:endParaRPr lang="pt-BR" smtClean="0"/>
           </a:p>
           <a:p>
             <a:pPr lvl="2"/>
@@ -754,7 +782,6 @@
               <a:rPr lang="pt-BR" smtClean="0"/>
               <a:t>Terceiro nível</a:t>
             </a:r>
-            <a:endParaRPr lang="pt-BR" smtClean="0"/>
           </a:p>
           <a:p>
             <a:pPr lvl="3"/>
@@ -762,7 +789,6 @@
               <a:rPr lang="pt-BR" smtClean="0"/>
               <a:t>Quarto nível</a:t>
             </a:r>
-            <a:endParaRPr lang="pt-BR" smtClean="0"/>
           </a:p>
           <a:p>
             <a:pPr lvl="4"/>
@@ -791,6 +817,7 @@
           <a:p>
             <a:fld id="{AC89BC54-1CDC-4473-9720-F58E1E464D2A}" type="datetimeFigureOut">
               <a:rPr lang="pt-BR" smtClean="0"/>
+              <a:t>09/03/2017</a:t>
             </a:fld>
             <a:endParaRPr lang="pt-BR"/>
           </a:p>
@@ -832,6 +859,7 @@
           <a:p>
             <a:fld id="{E3682030-28A4-485C-A222-4952DDFF562A}" type="slidenum">
               <a:rPr lang="pt-BR" smtClean="0"/>
+              <a:t>‹nº›</a:t>
             </a:fld>
             <a:endParaRPr lang="pt-BR"/>
           </a:p>
@@ -906,7 +934,6 @@
               <a:rPr lang="pt-BR" smtClean="0"/>
               <a:t>Editar estilos de texto Mestre</a:t>
             </a:r>
-            <a:endParaRPr lang="pt-BR" smtClean="0"/>
           </a:p>
           <a:p>
             <a:pPr lvl="1"/>
@@ -914,7 +941,6 @@
               <a:rPr lang="pt-BR" smtClean="0"/>
               <a:t>Segundo nível</a:t>
             </a:r>
-            <a:endParaRPr lang="pt-BR" smtClean="0"/>
           </a:p>
           <a:p>
             <a:pPr lvl="2"/>
@@ -922,7 +948,6 @@
               <a:rPr lang="pt-BR" smtClean="0"/>
               <a:t>Terceiro nível</a:t>
             </a:r>
-            <a:endParaRPr lang="pt-BR" smtClean="0"/>
           </a:p>
           <a:p>
             <a:pPr lvl="3"/>
@@ -930,7 +955,6 @@
               <a:rPr lang="pt-BR" smtClean="0"/>
               <a:t>Quarto nível</a:t>
             </a:r>
-            <a:endParaRPr lang="pt-BR" smtClean="0"/>
           </a:p>
           <a:p>
             <a:pPr lvl="4"/>
@@ -959,6 +983,7 @@
           <a:p>
             <a:fld id="{AC89BC54-1CDC-4473-9720-F58E1E464D2A}" type="datetimeFigureOut">
               <a:rPr lang="pt-BR" smtClean="0"/>
+              <a:t>09/03/2017</a:t>
             </a:fld>
             <a:endParaRPr lang="pt-BR"/>
           </a:p>
@@ -1000,6 +1025,7 @@
           <a:p>
             <a:fld id="{E3682030-28A4-485C-A222-4952DDFF562A}" type="slidenum">
               <a:rPr lang="pt-BR" smtClean="0"/>
+              <a:t>‹nº›</a:t>
             </a:fld>
             <a:endParaRPr lang="pt-BR"/>
           </a:p>
@@ -1179,7 +1205,6 @@
               <a:rPr lang="pt-BR" smtClean="0"/>
               <a:t>Editar estilos de texto Mestre</a:t>
             </a:r>
-            <a:endParaRPr lang="pt-BR" smtClean="0"/>
           </a:p>
         </p:txBody>
       </p:sp>
@@ -1200,6 +1225,7 @@
           <a:p>
             <a:fld id="{AC89BC54-1CDC-4473-9720-F58E1E464D2A}" type="datetimeFigureOut">
               <a:rPr lang="pt-BR" smtClean="0"/>
+              <a:t>09/03/2017</a:t>
             </a:fld>
             <a:endParaRPr lang="pt-BR"/>
           </a:p>
@@ -1241,6 +1267,7 @@
           <a:p>
             <a:fld id="{E3682030-28A4-485C-A222-4952DDFF562A}" type="slidenum">
               <a:rPr lang="pt-BR" smtClean="0"/>
+              <a:t>‹nº›</a:t>
             </a:fld>
             <a:endParaRPr lang="pt-BR"/>
           </a:p>
@@ -1320,7 +1347,6 @@
               <a:rPr lang="pt-BR" smtClean="0"/>
               <a:t>Editar estilos de texto Mestre</a:t>
             </a:r>
-            <a:endParaRPr lang="pt-BR" smtClean="0"/>
           </a:p>
           <a:p>
             <a:pPr lvl="1"/>
@@ -1328,7 +1354,6 @@
               <a:rPr lang="pt-BR" smtClean="0"/>
               <a:t>Segundo nível</a:t>
             </a:r>
-            <a:endParaRPr lang="pt-BR" smtClean="0"/>
           </a:p>
           <a:p>
             <a:pPr lvl="2"/>
@@ -1336,7 +1361,6 @@
               <a:rPr lang="pt-BR" smtClean="0"/>
               <a:t>Terceiro nível</a:t>
             </a:r>
-            <a:endParaRPr lang="pt-BR" smtClean="0"/>
           </a:p>
           <a:p>
             <a:pPr lvl="3"/>
@@ -1344,7 +1368,6 @@
               <a:rPr lang="pt-BR" smtClean="0"/>
               <a:t>Quarto nível</a:t>
             </a:r>
-            <a:endParaRPr lang="pt-BR" smtClean="0"/>
           </a:p>
           <a:p>
             <a:pPr lvl="4"/>
@@ -1381,7 +1404,6 @@
               <a:rPr lang="pt-BR" smtClean="0"/>
               <a:t>Editar estilos de texto Mestre</a:t>
             </a:r>
-            <a:endParaRPr lang="pt-BR" smtClean="0"/>
           </a:p>
           <a:p>
             <a:pPr lvl="1"/>
@@ -1389,7 +1411,6 @@
               <a:rPr lang="pt-BR" smtClean="0"/>
               <a:t>Segundo nível</a:t>
             </a:r>
-            <a:endParaRPr lang="pt-BR" smtClean="0"/>
           </a:p>
           <a:p>
             <a:pPr lvl="2"/>
@@ -1397,7 +1418,6 @@
               <a:rPr lang="pt-BR" smtClean="0"/>
               <a:t>Terceiro nível</a:t>
             </a:r>
-            <a:endParaRPr lang="pt-BR" smtClean="0"/>
           </a:p>
           <a:p>
             <a:pPr lvl="3"/>
@@ -1405,7 +1425,6 @@
               <a:rPr lang="pt-BR" smtClean="0"/>
               <a:t>Quarto nível</a:t>
             </a:r>
-            <a:endParaRPr lang="pt-BR" smtClean="0"/>
           </a:p>
           <a:p>
             <a:pPr lvl="4"/>
@@ -1434,6 +1453,7 @@
           <a:p>
             <a:fld id="{AC89BC54-1CDC-4473-9720-F58E1E464D2A}" type="datetimeFigureOut">
               <a:rPr lang="pt-BR" smtClean="0"/>
+              <a:t>09/03/2017</a:t>
             </a:fld>
             <a:endParaRPr lang="pt-BR"/>
           </a:p>
@@ -1475,6 +1495,7 @@
           <a:p>
             <a:fld id="{E3682030-28A4-485C-A222-4952DDFF562A}" type="slidenum">
               <a:rPr lang="pt-BR" smtClean="0"/>
+              <a:t>‹nº›</a:t>
             </a:fld>
             <a:endParaRPr lang="pt-BR"/>
           </a:p>
@@ -1596,7 +1617,6 @@
               <a:rPr lang="pt-BR" smtClean="0"/>
               <a:t>Editar estilos de texto Mestre</a:t>
             </a:r>
-            <a:endParaRPr lang="pt-BR" smtClean="0"/>
           </a:p>
         </p:txBody>
       </p:sp>
@@ -1625,7 +1645,6 @@
               <a:rPr lang="pt-BR" smtClean="0"/>
               <a:t>Editar estilos de texto Mestre</a:t>
             </a:r>
-            <a:endParaRPr lang="pt-BR" smtClean="0"/>
           </a:p>
           <a:p>
             <a:pPr lvl="1"/>
@@ -1633,7 +1652,6 @@
               <a:rPr lang="pt-BR" smtClean="0"/>
               <a:t>Segundo nível</a:t>
             </a:r>
-            <a:endParaRPr lang="pt-BR" smtClean="0"/>
           </a:p>
           <a:p>
             <a:pPr lvl="2"/>
@@ -1641,7 +1659,6 @@
               <a:rPr lang="pt-BR" smtClean="0"/>
               <a:t>Terceiro nível</a:t>
             </a:r>
-            <a:endParaRPr lang="pt-BR" smtClean="0"/>
           </a:p>
           <a:p>
             <a:pPr lvl="3"/>
@@ -1649,7 +1666,6 @@
               <a:rPr lang="pt-BR" smtClean="0"/>
               <a:t>Quarto nível</a:t>
             </a:r>
-            <a:endParaRPr lang="pt-BR" smtClean="0"/>
           </a:p>
           <a:p>
             <a:pPr lvl="4"/>
@@ -1723,7 +1739,6 @@
               <a:rPr lang="pt-BR" smtClean="0"/>
               <a:t>Editar estilos de texto Mestre</a:t>
             </a:r>
-            <a:endParaRPr lang="pt-BR" smtClean="0"/>
           </a:p>
         </p:txBody>
       </p:sp>
@@ -1752,7 +1767,6 @@
               <a:rPr lang="pt-BR" smtClean="0"/>
               <a:t>Editar estilos de texto Mestre</a:t>
             </a:r>
-            <a:endParaRPr lang="pt-BR" smtClean="0"/>
           </a:p>
           <a:p>
             <a:pPr lvl="1"/>
@@ -1760,7 +1774,6 @@
               <a:rPr lang="pt-BR" smtClean="0"/>
               <a:t>Segundo nível</a:t>
             </a:r>
-            <a:endParaRPr lang="pt-BR" smtClean="0"/>
           </a:p>
           <a:p>
             <a:pPr lvl="2"/>
@@ -1768,7 +1781,6 @@
               <a:rPr lang="pt-BR" smtClean="0"/>
               <a:t>Terceiro nível</a:t>
             </a:r>
-            <a:endParaRPr lang="pt-BR" smtClean="0"/>
           </a:p>
           <a:p>
             <a:pPr lvl="3"/>
@@ -1776,7 +1788,6 @@
               <a:rPr lang="pt-BR" smtClean="0"/>
               <a:t>Quarto nível</a:t>
             </a:r>
-            <a:endParaRPr lang="pt-BR" smtClean="0"/>
           </a:p>
           <a:p>
             <a:pPr lvl="4"/>
@@ -1805,6 +1816,7 @@
           <a:p>
             <a:fld id="{AC89BC54-1CDC-4473-9720-F58E1E464D2A}" type="datetimeFigureOut">
               <a:rPr lang="pt-BR" smtClean="0"/>
+              <a:t>09/03/2017</a:t>
             </a:fld>
             <a:endParaRPr lang="pt-BR"/>
           </a:p>
@@ -1846,6 +1858,7 @@
           <a:p>
             <a:fld id="{E3682030-28A4-485C-A222-4952DDFF562A}" type="slidenum">
               <a:rPr lang="pt-BR" smtClean="0"/>
+              <a:t>‹nº›</a:t>
             </a:fld>
             <a:endParaRPr lang="pt-BR"/>
           </a:p>
@@ -1917,6 +1930,7 @@
           <a:p>
             <a:fld id="{AC89BC54-1CDC-4473-9720-F58E1E464D2A}" type="datetimeFigureOut">
               <a:rPr lang="pt-BR" smtClean="0"/>
+              <a:t>09/03/2017</a:t>
             </a:fld>
             <a:endParaRPr lang="pt-BR"/>
           </a:p>
@@ -1958,6 +1972,7 @@
           <a:p>
             <a:fld id="{E3682030-28A4-485C-A222-4952DDFF562A}" type="slidenum">
               <a:rPr lang="pt-BR" smtClean="0"/>
+              <a:t>‹nº›</a:t>
             </a:fld>
             <a:endParaRPr lang="pt-BR"/>
           </a:p>
@@ -2006,6 +2021,7 @@
           <a:p>
             <a:fld id="{AC89BC54-1CDC-4473-9720-F58E1E464D2A}" type="datetimeFigureOut">
               <a:rPr lang="pt-BR" smtClean="0"/>
+              <a:t>09/03/2017</a:t>
             </a:fld>
             <a:endParaRPr lang="pt-BR"/>
           </a:p>
@@ -2047,6 +2063,7 @@
           <a:p>
             <a:fld id="{E3682030-28A4-485C-A222-4952DDFF562A}" type="slidenum">
               <a:rPr lang="pt-BR" smtClean="0"/>
+              <a:t>‹nº›</a:t>
             </a:fld>
             <a:endParaRPr lang="pt-BR"/>
           </a:p>
@@ -2233,7 +2250,6 @@
               <a:rPr lang="pt-BR" smtClean="0"/>
               <a:t>Editar estilos de texto Mestre</a:t>
             </a:r>
-            <a:endParaRPr lang="pt-BR" smtClean="0"/>
           </a:p>
         </p:txBody>
       </p:sp>
@@ -2254,6 +2270,7 @@
           <a:p>
             <a:fld id="{AC89BC54-1CDC-4473-9720-F58E1E464D2A}" type="datetimeFigureOut">
               <a:rPr lang="pt-BR" smtClean="0"/>
+              <a:t>09/03/2017</a:t>
             </a:fld>
             <a:endParaRPr lang="pt-BR"/>
           </a:p>
@@ -2295,6 +2312,7 @@
           <a:p>
             <a:fld id="{E3682030-28A4-485C-A222-4952DDFF562A}" type="slidenum">
               <a:rPr lang="pt-BR" smtClean="0"/>
+              <a:t>‹nº›</a:t>
             </a:fld>
             <a:endParaRPr lang="pt-BR"/>
           </a:p>
@@ -2379,7 +2397,6 @@
               <a:rPr lang="pt-BR" smtClean="0"/>
               <a:t>Editar estilos de texto Mestre</a:t>
             </a:r>
-            <a:endParaRPr lang="pt-BR" smtClean="0"/>
           </a:p>
           <a:p>
             <a:pPr lvl="1"/>
@@ -2387,7 +2404,6 @@
               <a:rPr lang="pt-BR" smtClean="0"/>
               <a:t>Segundo nível</a:t>
             </a:r>
-            <a:endParaRPr lang="pt-BR" smtClean="0"/>
           </a:p>
           <a:p>
             <a:pPr lvl="2"/>
@@ -2395,7 +2411,6 @@
               <a:rPr lang="pt-BR" smtClean="0"/>
               <a:t>Terceiro nível</a:t>
             </a:r>
-            <a:endParaRPr lang="pt-BR" smtClean="0"/>
           </a:p>
           <a:p>
             <a:pPr lvl="3"/>
@@ -2403,7 +2418,6 @@
               <a:rPr lang="pt-BR" smtClean="0"/>
               <a:t>Quarto nível</a:t>
             </a:r>
-            <a:endParaRPr lang="pt-BR" smtClean="0"/>
           </a:p>
           <a:p>
             <a:pPr lvl="4"/>
@@ -2432,6 +2446,7 @@
           <a:p>
             <a:fld id="{AC89BC54-1CDC-4473-9720-F58E1E464D2A}" type="datetimeFigureOut">
               <a:rPr lang="pt-BR" smtClean="0"/>
+              <a:t>09/03/2017</a:t>
             </a:fld>
             <a:endParaRPr lang="pt-BR"/>
           </a:p>
@@ -2473,6 +2488,7 @@
           <a:p>
             <a:fld id="{E3682030-28A4-485C-A222-4952DDFF562A}" type="slidenum">
               <a:rPr lang="pt-BR" smtClean="0"/>
+              <a:t>‹nº›</a:t>
             </a:fld>
             <a:endParaRPr lang="pt-BR"/>
           </a:p>
@@ -2572,7 +2588,6 @@
               <a:rPr lang="pt-BR" smtClean="0"/>
               <a:t>Editar estilos de texto Mestre</a:t>
             </a:r>
-            <a:endParaRPr lang="pt-BR" smtClean="0"/>
           </a:p>
           <a:p>
             <a:pPr lvl="1"/>
@@ -2580,7 +2595,6 @@
               <a:rPr lang="pt-BR" smtClean="0"/>
               <a:t>Segundo nível</a:t>
             </a:r>
-            <a:endParaRPr lang="pt-BR" smtClean="0"/>
           </a:p>
           <a:p>
             <a:pPr lvl="2"/>
@@ -2588,7 +2602,6 @@
               <a:rPr lang="pt-BR" smtClean="0"/>
               <a:t>Terceiro nível</a:t>
             </a:r>
-            <a:endParaRPr lang="pt-BR" smtClean="0"/>
           </a:p>
           <a:p>
             <a:pPr lvl="3"/>
@@ -2596,7 +2609,6 @@
               <a:rPr lang="pt-BR" smtClean="0"/>
               <a:t>Quarto nível</a:t>
             </a:r>
-            <a:endParaRPr lang="pt-BR" smtClean="0"/>
           </a:p>
           <a:p>
             <a:pPr lvl="4"/>
@@ -2643,6 +2655,7 @@
           <a:p>
             <a:fld id="{AC89BC54-1CDC-4473-9720-F58E1E464D2A}" type="datetimeFigureOut">
               <a:rPr lang="pt-BR" smtClean="0"/>
+              <a:t>09/03/2017</a:t>
             </a:fld>
             <a:endParaRPr lang="pt-BR"/>
           </a:p>
@@ -2720,6 +2733,7 @@
           <a:p>
             <a:fld id="{E3682030-28A4-485C-A222-4952DDFF562A}" type="slidenum">
               <a:rPr lang="pt-BR" smtClean="0"/>
+              <a:t>‹nº›</a:t>
             </a:fld>
             <a:endParaRPr lang="pt-BR"/>
           </a:p>
@@ -3033,7 +3047,14 @@
         <p:cNvGrpSpPr/>
         <p:nvPr/>
       </p:nvGrpSpPr>
-      <p:grpSpPr/>
+      <p:grpSpPr>
+        <a:xfrm>
+          <a:off x="0" y="0"/>
+          <a:ext cx="0" cy="0"/>
+          <a:chOff x="0" y="0"/>
+          <a:chExt cx="0" cy="0"/>
+        </a:xfrm>
+      </p:grpSpPr>
       <p:sp>
         <p:nvSpPr>
           <p:cNvPr id="2" name="Título 1"/>
@@ -3052,6 +3073,7 @@
         </p:spPr>
         <p:txBody>
           <a:bodyPr/>
+          <a:lstStyle/>
           <a:p>
             <a:r>
               <a:rPr lang="pt-BR" altLang="en-US" sz="4400">
@@ -3062,12 +3084,6 @@
               </a:rPr>
               <a:t>Arquitetura de Computadores</a:t>
             </a:r>
-            <a:endParaRPr lang="pt-BR" altLang="en-US" sz="4400">
-              <a:solidFill>
-                <a:schemeClr val="tx1"/>
-              </a:solidFill>
-              <a:uFillTx/>
-            </a:endParaRPr>
           </a:p>
         </p:txBody>
       </p:sp>
@@ -3089,27 +3105,25 @@
         </p:spPr>
         <p:txBody>
           <a:bodyPr/>
+          <a:lstStyle/>
           <a:p>
             <a:pPr algn="ctr"/>
             <a:r>
               <a:rPr lang="pt-BR" altLang="en-US"/>
               <a:t>Pablo Silva</a:t>
             </a:r>
-            <a:endParaRPr lang="pt-BR" altLang="en-US"/>
           </a:p>
           <a:p>
             <a:r>
               <a:rPr lang="pt-BR" altLang="en-US"/>
               <a:t>Marco Túlio</a:t>
             </a:r>
-            <a:endParaRPr lang="pt-BR" altLang="en-US"/>
           </a:p>
           <a:p>
             <a:r>
               <a:rPr lang="pt-BR" altLang="en-US"/>
               <a:t>Vitor do Vale</a:t>
             </a:r>
-            <a:endParaRPr lang="pt-BR" altLang="en-US"/>
           </a:p>
         </p:txBody>
       </p:sp>
@@ -3126,9 +3140,11 @@
         <p:spPr/>
         <p:txBody>
           <a:bodyPr/>
+          <a:lstStyle/>
           <a:p>
             <a:fld id="{E3682030-28A4-485C-A222-4952DDFF562A}" type="slidenum">
               <a:rPr lang="pt-BR" smtClean="0"/>
+              <a:t>1</a:t>
             </a:fld>
             <a:endParaRPr lang="pt-BR"/>
           </a:p>
@@ -3151,7 +3167,14 @@
         <p:cNvGrpSpPr/>
         <p:nvPr/>
       </p:nvGrpSpPr>
-      <p:grpSpPr/>
+      <p:grpSpPr>
+        <a:xfrm>
+          <a:off x="0" y="0"/>
+          <a:ext cx="0" cy="0"/>
+          <a:chOff x="0" y="0"/>
+          <a:chExt cx="0" cy="0"/>
+        </a:xfrm>
+      </p:grpSpPr>
       <p:sp>
         <p:nvSpPr>
           <p:cNvPr id="2" name="Título 1"/>
@@ -3165,12 +3188,12 @@
         <p:spPr/>
         <p:txBody>
           <a:bodyPr/>
+          <a:lstStyle/>
           <a:p>
             <a:r>
               <a:rPr lang="pt-BR" altLang="en-US"/>
               <a:t>SPI: Esquemático da montagem</a:t>
             </a:r>
-            <a:endParaRPr lang="pt-BR" altLang="en-US"/>
           </a:p>
         </p:txBody>
       </p:sp>
@@ -3178,14 +3201,14 @@
         <p:nvPicPr>
           <p:cNvPr id="4" name="Espaço Reservado para Conteúdo 3" descr="SPI_Fritzing_Esquemático"/>
           <p:cNvPicPr>
-            <a:picLocks noChangeAspect="1"/>
+            <a:picLocks noGrp="1" noChangeAspect="1"/>
           </p:cNvPicPr>
           <p:nvPr>
             <p:ph idx="1"/>
           </p:nvPr>
         </p:nvPicPr>
         <p:blipFill>
-          <a:blip r:embed="rId1"/>
+          <a:blip r:embed="rId2"/>
           <a:stretch>
             <a:fillRect/>
           </a:stretch>
@@ -3213,9 +3236,11 @@
         <p:spPr/>
         <p:txBody>
           <a:bodyPr/>
+          <a:lstStyle/>
           <a:p>
             <a:fld id="{E3682030-28A4-485C-A222-4952DDFF562A}" type="slidenum">
               <a:rPr lang="pt-BR" smtClean="0"/>
+              <a:t>10</a:t>
             </a:fld>
             <a:endParaRPr lang="pt-BR"/>
           </a:p>
@@ -3238,7 +3263,14 @@
         <p:cNvGrpSpPr/>
         <p:nvPr/>
       </p:nvGrpSpPr>
-      <p:grpSpPr/>
+      <p:grpSpPr>
+        <a:xfrm>
+          <a:off x="0" y="0"/>
+          <a:ext cx="0" cy="0"/>
+          <a:chOff x="0" y="0"/>
+          <a:chExt cx="0" cy="0"/>
+        </a:xfrm>
+      </p:grpSpPr>
       <p:sp>
         <p:nvSpPr>
           <p:cNvPr id="2" name="Título 1"/>
@@ -3252,12 +3284,12 @@
         <p:spPr/>
         <p:txBody>
           <a:bodyPr/>
-          <a:p>
-            <a:r>
-              <a:rPr lang="pt-BR" altLang="en-US"/>
+          <a:lstStyle/>
+          <a:p>
+            <a:r>
+              <a:rPr lang="pt-BR" altLang="en-US" dirty="0"/>
               <a:t>Introdução</a:t>
             </a:r>
-            <a:endParaRPr lang="pt-BR" altLang="en-US"/>
           </a:p>
         </p:txBody>
       </p:sp>
@@ -3274,13 +3306,66 @@
         <p:spPr/>
         <p:txBody>
           <a:bodyPr/>
+          <a:lstStyle/>
           <a:p>
             <a:pPr algn="just"/>
             <a:r>
-              <a:rPr lang="pt-BR" altLang="en-US"/>
-              <a:t>Com o avanço do esquipamentos eletrônicos a utilização de muitos circuitos e cada vez mais comum, entreanto, não e mais possivel estender longos barramentos de comunicação paralela pois tornariam as placas de circuito caras e grandes. Logo um protocolo de comunicação serial entre dispositivos se tornaria necessária.</a:t>
-            </a:r>
-            <a:endParaRPr lang="pt-BR" altLang="en-US"/>
+              <a:rPr lang="pt-BR" altLang="en-US" dirty="0"/>
+              <a:t>Com o avanço </a:t>
+            </a:r>
+            <a:r>
+              <a:rPr lang="pt-BR" altLang="en-US" dirty="0" smtClean="0"/>
+              <a:t>dos equipamentos eletrônicos </a:t>
+            </a:r>
+            <a:r>
+              <a:rPr lang="pt-BR" altLang="en-US" dirty="0"/>
+              <a:t>a utilização de muitos circuitos </a:t>
+            </a:r>
+            <a:r>
+              <a:rPr lang="pt-BR" altLang="en-US" dirty="0" smtClean="0"/>
+              <a:t>é </a:t>
+            </a:r>
+            <a:r>
+              <a:rPr lang="pt-BR" altLang="en-US" dirty="0"/>
+              <a:t>cada vez mais </a:t>
+            </a:r>
+            <a:r>
+              <a:rPr lang="pt-BR" altLang="en-US" dirty="0" smtClean="0"/>
+              <a:t>comum. </a:t>
+            </a:r>
+            <a:r>
+              <a:rPr lang="pt-BR" altLang="en-US" dirty="0" smtClean="0"/>
+              <a:t>En</a:t>
+            </a:r>
+            <a:r>
+              <a:rPr lang="pt-BR" altLang="en-US" dirty="0" smtClean="0"/>
+              <a:t>tretanto</a:t>
+            </a:r>
+            <a:r>
+              <a:rPr lang="pt-BR" altLang="en-US" dirty="0"/>
+              <a:t>, não </a:t>
+            </a:r>
+            <a:r>
+              <a:rPr lang="pt-BR" altLang="en-US" dirty="0" smtClean="0"/>
+              <a:t>é </a:t>
+            </a:r>
+            <a:r>
+              <a:rPr lang="pt-BR" altLang="en-US" dirty="0"/>
+              <a:t>mais </a:t>
+            </a:r>
+            <a:r>
+              <a:rPr lang="pt-BR" altLang="en-US" dirty="0" smtClean="0"/>
+              <a:t>possível </a:t>
+            </a:r>
+            <a:r>
+              <a:rPr lang="pt-BR" altLang="en-US" dirty="0"/>
+              <a:t>estender longos barramentos de comunicação paralela pois tornariam as placas de circuito caras e grandes. Logo um protocolo de comunicação serial entre dispositivos se tornaria </a:t>
+            </a:r>
+            <a:r>
+              <a:rPr lang="pt-BR" altLang="en-US" dirty="0" smtClean="0"/>
+              <a:t>necessário.</a:t>
+            </a:r>
+            <a:endParaRPr lang="pt-BR" altLang="en-US" dirty="0"/>
           </a:p>
         </p:txBody>
       </p:sp>
@@ -3297,9 +3382,11 @@
         <p:spPr/>
         <p:txBody>
           <a:bodyPr/>
+          <a:lstStyle/>
           <a:p>
             <a:fld id="{E3682030-28A4-485C-A222-4952DDFF562A}" type="slidenum">
               <a:rPr lang="pt-BR" smtClean="0"/>
+              <a:t>2</a:t>
             </a:fld>
             <a:endParaRPr lang="pt-BR"/>
           </a:p>
@@ -3322,7 +3409,14 @@
         <p:cNvGrpSpPr/>
         <p:nvPr/>
       </p:nvGrpSpPr>
-      <p:grpSpPr/>
+      <p:grpSpPr>
+        <a:xfrm>
+          <a:off x="0" y="0"/>
+          <a:ext cx="0" cy="0"/>
+          <a:chOff x="0" y="0"/>
+          <a:chExt cx="0" cy="0"/>
+        </a:xfrm>
+      </p:grpSpPr>
       <p:sp>
         <p:nvSpPr>
           <p:cNvPr id="2" name="Título 1"/>
@@ -3336,12 +3430,12 @@
         <p:spPr/>
         <p:txBody>
           <a:bodyPr/>
+          <a:lstStyle/>
           <a:p>
             <a:r>
               <a:rPr lang="pt-BR" altLang="en-US"/>
               <a:t>Comunicação SPI</a:t>
             </a:r>
-            <a:endParaRPr lang="pt-BR" altLang="en-US"/>
           </a:p>
         </p:txBody>
       </p:sp>
@@ -3358,31 +3452,99 @@
         <p:spPr/>
         <p:txBody>
           <a:bodyPr/>
+          <a:lstStyle/>
           <a:p>
             <a:pPr algn="just"/>
             <a:r>
-              <a:rPr lang="pt-BR" altLang="en-US"/>
+              <a:rPr lang="pt-BR" altLang="en-US" dirty="0"/>
               <a:t>A </a:t>
             </a:r>
             <a:r>
-              <a:rPr lang="pt-BR" altLang="en-US" i="1"/>
-              <a:t>Serial Peripheral Interface</a:t>
-            </a:r>
-            <a:r>
-              <a:rPr lang="pt-BR" altLang="en-US"/>
+              <a:rPr lang="pt-BR" altLang="en-US" i="1" dirty="0"/>
+              <a:t>Serial </a:t>
+            </a:r>
+            <a:r>
+              <a:rPr lang="pt-BR" altLang="en-US" i="1" dirty="0" err="1"/>
+              <a:t>Peripheral</a:t>
+            </a:r>
+            <a:r>
+              <a:rPr lang="pt-BR" altLang="en-US" i="1" dirty="0"/>
+              <a:t> Interface</a:t>
+            </a:r>
+            <a:r>
+              <a:rPr lang="pt-BR" altLang="en-US" dirty="0"/>
               <a:t> </a:t>
             </a:r>
             <a:r>
-              <a:rPr lang="pt-BR" altLang="en-US">
+              <a:rPr lang="pt-BR" altLang="en-US" dirty="0">
                 <a:sym typeface="+mn-ea"/>
               </a:rPr>
               <a:t>(SPI) </a:t>
             </a:r>
             <a:r>
-              <a:rPr lang="pt-BR" altLang="en-US"/>
-              <a:t>é um protocolo de dados seriais síncronos utilizado em microcontroladores para comunicação entre o microcontrolador e um ou mais periféricos. Também pode ser utilizado entre dois microcontroladores. Um exemplo é o Play Station 2, que se comunica por SPI com seus controles.</a:t>
-            </a:r>
-            <a:endParaRPr lang="pt-BR" altLang="en-US"/>
+              <a:rPr lang="pt-BR" altLang="en-US" dirty="0"/>
+              <a:t>é um protocolo de dados seriais síncronos utilizado em </a:t>
+            </a:r>
+            <a:r>
+              <a:rPr lang="pt-BR" altLang="en-US" dirty="0" err="1"/>
+              <a:t>microcontroladores</a:t>
+            </a:r>
+            <a:r>
+              <a:rPr lang="pt-BR" altLang="en-US" dirty="0"/>
+              <a:t> para comunicação entre o </a:t>
+            </a:r>
+            <a:r>
+              <a:rPr lang="pt-BR" altLang="en-US" dirty="0" err="1"/>
+              <a:t>microcontrolador</a:t>
+            </a:r>
+            <a:r>
+              <a:rPr lang="pt-BR" altLang="en-US" dirty="0"/>
+              <a:t> e um ou mais periféricos. Também pode ser utilizado entre dois </a:t>
+            </a:r>
+            <a:r>
+              <a:rPr lang="pt-BR" altLang="en-US" dirty="0" err="1"/>
+              <a:t>microcontroladores</a:t>
+            </a:r>
+            <a:r>
+              <a:rPr lang="pt-BR" altLang="en-US" dirty="0"/>
+              <a:t>. </a:t>
+            </a:r>
+            <a:endParaRPr lang="pt-BR" altLang="en-US" dirty="0" smtClean="0"/>
+          </a:p>
+          <a:p>
+            <a:pPr algn="just"/>
+            <a:endParaRPr lang="pt-BR" altLang="en-US" dirty="0"/>
+          </a:p>
+          <a:p>
+            <a:pPr algn="just"/>
+            <a:r>
+              <a:rPr lang="pt-BR" altLang="en-US" dirty="0" smtClean="0"/>
+              <a:t>Exemplo:</a:t>
+            </a:r>
+            <a:r>
+              <a:rPr lang="pt-BR" altLang="en-US" dirty="0" smtClean="0"/>
+              <a:t> </a:t>
+            </a:r>
+            <a:r>
+              <a:rPr lang="pt-BR" altLang="en-US" dirty="0" err="1" smtClean="0"/>
+              <a:t>PlayStation</a:t>
+            </a:r>
+            <a:r>
+              <a:rPr lang="pt-BR" altLang="en-US" dirty="0" smtClean="0"/>
+              <a:t> 2</a:t>
+            </a:r>
+            <a:r>
+              <a:rPr lang="pt-BR" altLang="en-US" dirty="0"/>
+              <a:t> </a:t>
+            </a:r>
+            <a:r>
+              <a:rPr lang="pt-BR" altLang="en-US" dirty="0" smtClean="0"/>
+              <a:t> </a:t>
+            </a:r>
+            <a:r>
+              <a:rPr lang="pt-BR" altLang="en-US" dirty="0"/>
+              <a:t>se comunica por SPI com seus controles.</a:t>
+            </a:r>
           </a:p>
         </p:txBody>
       </p:sp>
@@ -3399,9 +3561,11 @@
         <p:spPr/>
         <p:txBody>
           <a:bodyPr/>
+          <a:lstStyle/>
           <a:p>
             <a:fld id="{E3682030-28A4-485C-A222-4952DDFF562A}" type="slidenum">
               <a:rPr lang="pt-BR" smtClean="0"/>
+              <a:t>3</a:t>
             </a:fld>
             <a:endParaRPr lang="pt-BR"/>
           </a:p>
@@ -3424,7 +3588,14 @@
         <p:cNvGrpSpPr/>
         <p:nvPr/>
       </p:nvGrpSpPr>
-      <p:grpSpPr/>
+      <p:grpSpPr>
+        <a:xfrm>
+          <a:off x="0" y="0"/>
+          <a:ext cx="0" cy="0"/>
+          <a:chOff x="0" y="0"/>
+          <a:chExt cx="0" cy="0"/>
+        </a:xfrm>
+      </p:grpSpPr>
       <p:sp>
         <p:nvSpPr>
           <p:cNvPr id="2" name="Título 1"/>
@@ -3438,8 +3609,9 @@
         <p:spPr/>
         <p:txBody>
           <a:bodyPr>
-            <a:normAutofit fontScale="90000"/>
+            <a:normAutofit/>
           </a:bodyPr>
+          <a:lstStyle/>
           <a:p>
             <a:r>
               <a:rPr lang="pt-BR" altLang="en-US">
@@ -3447,6 +3619,10 @@
               </a:rPr>
               <a:t>Comunicação SPI</a:t>
             </a:r>
+            <a:r>
+              <a:rPr lang="pt-BR" altLang="en-US"/>
+              <a:t/>
+            </a:r>
             <a:br>
               <a:rPr lang="pt-BR" altLang="en-US"/>
             </a:br>
@@ -3467,29 +3643,41 @@
         <p:spPr/>
         <p:txBody>
           <a:bodyPr/>
+          <a:lstStyle/>
           <a:p>
             <a:pPr algn="just"/>
             <a:r>
-              <a:rPr lang="pt-BR" altLang="en-US"/>
-              <a:t>Cada bit trocado entre o mestre um escravo</a:t>
-            </a:r>
-            <a:r>
-              <a:rPr lang="pt-BR" altLang="en-US" i="1"/>
+              <a:rPr lang="pt-BR" altLang="en-US" dirty="0"/>
+              <a:t>Cada bit trocado entre o mestre </a:t>
+            </a:r>
+            <a:r>
+              <a:rPr lang="pt-BR" altLang="en-US" dirty="0" smtClean="0"/>
+              <a:t>e um </a:t>
+            </a:r>
+            <a:r>
+              <a:rPr lang="pt-BR" altLang="en-US" dirty="0"/>
+              <a:t>escravo</a:t>
+            </a:r>
+            <a:r>
+              <a:rPr lang="pt-BR" altLang="en-US" i="1" dirty="0"/>
               <a:t> </a:t>
             </a:r>
             <a:r>
-              <a:rPr lang="pt-BR" altLang="en-US"/>
+              <a:rPr lang="pt-BR" altLang="en-US" dirty="0"/>
               <a:t>trás um bit do escravo para o mestre. Dessa forma, definimos que a comunicação é sempre </a:t>
             </a:r>
             <a:r>
-              <a:rPr lang="pt-BR" altLang="en-US" i="1"/>
-              <a:t>full-duplex</a:t>
-            </a:r>
-            <a:r>
-              <a:rPr lang="pt-BR" altLang="en-US"/>
+              <a:rPr lang="pt-BR" altLang="en-US" i="1" dirty="0" err="1"/>
+              <a:t>full</a:t>
+            </a:r>
+            <a:r>
+              <a:rPr lang="pt-BR" altLang="en-US" i="1" dirty="0"/>
+              <a:t>-duplex</a:t>
+            </a:r>
+            <a:r>
+              <a:rPr lang="pt-BR" altLang="en-US" dirty="0"/>
               <a:t>.</a:t>
             </a:r>
-            <a:endParaRPr lang="pt-BR" altLang="en-US"/>
           </a:p>
         </p:txBody>
       </p:sp>
@@ -3506,9 +3694,11 @@
         <p:spPr/>
         <p:txBody>
           <a:bodyPr/>
+          <a:lstStyle/>
           <a:p>
             <a:fld id="{E3682030-28A4-485C-A222-4952DDFF562A}" type="slidenum">
               <a:rPr lang="pt-BR" smtClean="0"/>
+              <a:t>4</a:t>
             </a:fld>
             <a:endParaRPr lang="pt-BR"/>
           </a:p>
@@ -3519,6 +3709,13 @@
   <p:clrMapOvr>
     <a:masterClrMapping/>
   </p:clrMapOvr>
+  <p:timing>
+    <p:tnLst>
+      <p:par>
+        <p:cTn id="1" dur="indefinite" restart="never" nodeType="tmRoot"/>
+      </p:par>
+    </p:tnLst>
+  </p:timing>
 </p:sld>
 </file>
 
@@ -3531,7 +3728,14 @@
         <p:cNvGrpSpPr/>
         <p:nvPr/>
       </p:nvGrpSpPr>
-      <p:grpSpPr/>
+      <p:grpSpPr>
+        <a:xfrm>
+          <a:off x="0" y="0"/>
+          <a:ext cx="0" cy="0"/>
+          <a:chOff x="0" y="0"/>
+          <a:chExt cx="0" cy="0"/>
+        </a:xfrm>
+      </p:grpSpPr>
       <p:sp>
         <p:nvSpPr>
           <p:cNvPr id="2" name="Título 1"/>
@@ -3542,17 +3746,23 @@
             <p:ph type="title"/>
           </p:nvPr>
         </p:nvSpPr>
-        <p:spPr/>
-        <p:txBody>
-          <a:bodyPr/>
-          <a:p>
-            <a:r>
-              <a:rPr lang="pt-BR" altLang="en-US">
+        <p:spPr>
+          <a:xfrm>
+            <a:off x="838200" y="212249"/>
+            <a:ext cx="10515600" cy="1325563"/>
+          </a:xfrm>
+        </p:spPr>
+        <p:txBody>
+          <a:bodyPr/>
+          <a:lstStyle/>
+          <a:p>
+            <a:r>
+              <a:rPr lang="pt-BR" altLang="en-US" dirty="0">
                 <a:sym typeface="+mn-ea"/>
               </a:rPr>
               <a:t>Comunicação SPI</a:t>
             </a:r>
-            <a:endParaRPr lang="pt-BR" altLang="en-US"/>
+            <a:endParaRPr lang="pt-BR" altLang="en-US" dirty="0"/>
           </a:p>
         </p:txBody>
       </p:sp>
@@ -3568,19 +3778,19 @@
         </p:nvSpPr>
         <p:spPr>
           <a:xfrm>
-            <a:off x="838200" y="1825625"/>
+            <a:off x="838200" y="1358265"/>
             <a:ext cx="10515600" cy="966470"/>
           </a:xfrm>
         </p:spPr>
         <p:txBody>
           <a:bodyPr/>
+          <a:lstStyle/>
           <a:p>
             <a:pPr algn="just"/>
             <a:r>
-              <a:rPr lang="pt-BR" altLang="en-US"/>
+              <a:rPr lang="pt-BR" altLang="en-US" dirty="0"/>
               <a:t>Os pinos básicos de comunicação entre dispositivos SPI e o esquema padrão de ligação:</a:t>
             </a:r>
-            <a:endParaRPr lang="pt-BR" altLang="en-US"/>
           </a:p>
         </p:txBody>
       </p:sp>
@@ -3593,14 +3803,14 @@
           <p:nvPr/>
         </p:nvPicPr>
         <p:blipFill>
-          <a:blip r:embed="rId1"/>
+          <a:blip r:embed="rId2"/>
           <a:stretch>
             <a:fillRect/>
           </a:stretch>
         </p:blipFill>
         <p:spPr>
           <a:xfrm>
-            <a:off x="4173855" y="2324735"/>
+            <a:off x="842493" y="2526924"/>
             <a:ext cx="5744210" cy="4296410"/>
           </a:xfrm>
           <a:prstGeom prst="rect">
@@ -3621,19 +3831,52 @@
         <p:spPr/>
         <p:txBody>
           <a:bodyPr/>
+          <a:lstStyle/>
           <a:p>
             <a:fld id="{E3682030-28A4-485C-A222-4952DDFF562A}" type="slidenum">
               <a:rPr lang="pt-BR" smtClean="0"/>
+              <a:t>5</a:t>
             </a:fld>
             <a:endParaRPr lang="pt-BR"/>
           </a:p>
         </p:txBody>
       </p:sp>
+      <p:pic>
+        <p:nvPicPr>
+          <p:cNvPr id="6" name="Imagem 5"/>
+          <p:cNvPicPr>
+            <a:picLocks noChangeAspect="1"/>
+          </p:cNvPicPr>
+          <p:nvPr/>
+        </p:nvPicPr>
+        <p:blipFill>
+          <a:blip r:embed="rId3"/>
+          <a:stretch>
+            <a:fillRect/>
+          </a:stretch>
+        </p:blipFill>
+        <p:spPr>
+          <a:xfrm>
+            <a:off x="7140495" y="2435297"/>
+            <a:ext cx="4346414" cy="3921053"/>
+          </a:xfrm>
+          <a:prstGeom prst="rect">
+            <a:avLst/>
+          </a:prstGeom>
+        </p:spPr>
+      </p:pic>
     </p:spTree>
   </p:cSld>
   <p:clrMapOvr>
     <a:masterClrMapping/>
   </p:clrMapOvr>
+  <p:timing>
+    <p:tnLst>
+      <p:par>
+        <p:cTn id="1" dur="indefinite" restart="never" nodeType="tmRoot"/>
+      </p:par>
+    </p:tnLst>
+  </p:timing>
 </p:sld>
 </file>
 
@@ -3646,7 +3889,14 @@
         <p:cNvGrpSpPr/>
         <p:nvPr/>
       </p:nvGrpSpPr>
-      <p:grpSpPr/>
+      <p:grpSpPr>
+        <a:xfrm>
+          <a:off x="0" y="0"/>
+          <a:ext cx="0" cy="0"/>
+          <a:chOff x="0" y="0"/>
+          <a:chExt cx="0" cy="0"/>
+        </a:xfrm>
+      </p:grpSpPr>
       <p:sp>
         <p:nvSpPr>
           <p:cNvPr id="2" name="Título 1"/>
@@ -3660,12 +3910,12 @@
         <p:spPr/>
         <p:txBody>
           <a:bodyPr/>
+          <a:lstStyle/>
           <a:p>
             <a:r>
               <a:rPr lang="pt-BR" altLang="en-US"/>
               <a:t>Comunicação SPI</a:t>
             </a:r>
-            <a:endParaRPr lang="pt-BR" altLang="en-US"/>
           </a:p>
         </p:txBody>
       </p:sp>
@@ -3682,13 +3932,13 @@
         <p:spPr/>
         <p:txBody>
           <a:bodyPr/>
+          <a:lstStyle/>
           <a:p>
             <a:pPr algn="just"/>
             <a:r>
               <a:rPr lang="pt-BR" altLang="en-US"/>
               <a:t>Exemplo de interligação desse barramento de comunicação</a:t>
             </a:r>
-            <a:endParaRPr lang="pt-BR" altLang="en-US"/>
           </a:p>
         </p:txBody>
       </p:sp>
@@ -3701,7 +3951,7 @@
           <p:nvPr/>
         </p:nvPicPr>
         <p:blipFill>
-          <a:blip r:embed="rId1"/>
+          <a:blip r:embed="rId3"/>
           <a:stretch>
             <a:fillRect/>
           </a:stretch>
@@ -3729,9 +3979,11 @@
         <p:spPr/>
         <p:txBody>
           <a:bodyPr/>
+          <a:lstStyle/>
           <a:p>
             <a:fld id="{E3682030-28A4-485C-A222-4952DDFF562A}" type="slidenum">
               <a:rPr lang="pt-BR" smtClean="0"/>
+              <a:t>6</a:t>
             </a:fld>
             <a:endParaRPr lang="pt-BR"/>
           </a:p>
@@ -3742,6 +3994,13 @@
   <p:clrMapOvr>
     <a:masterClrMapping/>
   </p:clrMapOvr>
+  <p:timing>
+    <p:tnLst>
+      <p:par>
+        <p:cTn id="1" dur="indefinite" restart="never" nodeType="tmRoot"/>
+      </p:par>
+    </p:tnLst>
+  </p:timing>
 </p:sld>
 </file>
 
@@ -3754,7 +4013,14 @@
         <p:cNvGrpSpPr/>
         <p:nvPr/>
       </p:nvGrpSpPr>
-      <p:grpSpPr/>
+      <p:grpSpPr>
+        <a:xfrm>
+          <a:off x="0" y="0"/>
+          <a:ext cx="0" cy="0"/>
+          <a:chOff x="0" y="0"/>
+          <a:chExt cx="0" cy="0"/>
+        </a:xfrm>
+      </p:grpSpPr>
       <p:sp>
         <p:nvSpPr>
           <p:cNvPr id="2" name="Título 1"/>
@@ -3768,12 +4034,12 @@
         <p:spPr/>
         <p:txBody>
           <a:bodyPr/>
+          <a:lstStyle/>
           <a:p>
             <a:r>
               <a:rPr lang="pt-BR" altLang="en-US"/>
               <a:t>Esquemático e Montagem	</a:t>
             </a:r>
-            <a:endParaRPr lang="pt-BR" altLang="en-US"/>
           </a:p>
         </p:txBody>
       </p:sp>
@@ -3790,13 +4056,58 @@
         <p:spPr/>
         <p:txBody>
           <a:bodyPr/>
+          <a:lstStyle/>
           <a:p>
             <a:pPr algn="just"/>
             <a:r>
-              <a:rPr lang="pt-BR" altLang="en-US"/>
-              <a:t>O mestre será encarregado de enviar os comandos através da comunicação serial, enquanto o escravo é encarregado de receber, interpretar e executar uma determinada ação com base nos dados recebidos. Os comandos enviados de um microcontrolador são um indicador de qual será o estado de um LED se está ligado ou desligado.</a:t>
-            </a:r>
-            <a:endParaRPr lang="pt-BR" altLang="en-US"/>
+              <a:rPr lang="pt-BR" altLang="en-US" dirty="0"/>
+              <a:t>O mestre será encarregado de enviar os comandos através da comunicação serial, enquanto o escravo é encarregado de receber, interpretar e executar uma determinada ação com base nos dados recebidos. </a:t>
+            </a:r>
+            <a:endParaRPr lang="pt-BR" altLang="en-US" dirty="0" smtClean="0"/>
+          </a:p>
+          <a:p>
+            <a:pPr algn="just"/>
+            <a:endParaRPr lang="pt-BR" altLang="en-US" dirty="0"/>
+          </a:p>
+          <a:p>
+            <a:pPr algn="just"/>
+            <a:r>
+              <a:rPr lang="pt-BR" altLang="en-US" dirty="0" smtClean="0"/>
+              <a:t>Neste projeto, os</a:t>
+            </a:r>
+            <a:r>
+              <a:rPr lang="pt-BR" altLang="en-US" dirty="0" smtClean="0"/>
+              <a:t> </a:t>
+            </a:r>
+            <a:r>
+              <a:rPr lang="pt-BR" altLang="en-US" dirty="0"/>
+              <a:t>comandos enviados de um </a:t>
+            </a:r>
+            <a:r>
+              <a:rPr lang="pt-BR" altLang="en-US" dirty="0" err="1" smtClean="0"/>
+              <a:t>microcontrolador</a:t>
+            </a:r>
+            <a:r>
+              <a:rPr lang="pt-BR" altLang="en-US" dirty="0" smtClean="0"/>
+              <a:t> (máster) serão recebidos por outro </a:t>
+            </a:r>
+            <a:r>
+              <a:rPr lang="pt-BR" altLang="en-US" dirty="0" err="1" smtClean="0"/>
+              <a:t>microcontrolador</a:t>
+            </a:r>
+            <a:r>
+              <a:rPr lang="pt-BR" altLang="en-US" dirty="0" smtClean="0"/>
+              <a:t> (</a:t>
+            </a:r>
+            <a:r>
+              <a:rPr lang="pt-BR" altLang="en-US" dirty="0" err="1" smtClean="0"/>
+              <a:t>slave</a:t>
+            </a:r>
+            <a:r>
+              <a:rPr lang="pt-BR" altLang="en-US" dirty="0" smtClean="0"/>
+              <a:t>) e irá ligar e desligar um LED.</a:t>
+            </a:r>
+            <a:endParaRPr lang="pt-BR" altLang="en-US" dirty="0"/>
           </a:p>
         </p:txBody>
       </p:sp>
@@ -3813,9 +4124,11 @@
         <p:spPr/>
         <p:txBody>
           <a:bodyPr/>
+          <a:lstStyle/>
           <a:p>
             <a:fld id="{E3682030-28A4-485C-A222-4952DDFF562A}" type="slidenum">
               <a:rPr lang="pt-BR" smtClean="0"/>
+              <a:t>7</a:t>
             </a:fld>
             <a:endParaRPr lang="pt-BR"/>
           </a:p>
@@ -3838,7 +4151,14 @@
         <p:cNvGrpSpPr/>
         <p:nvPr/>
       </p:nvGrpSpPr>
-      <p:grpSpPr/>
+      <p:grpSpPr>
+        <a:xfrm>
+          <a:off x="0" y="0"/>
+          <a:ext cx="0" cy="0"/>
+          <a:chOff x="0" y="0"/>
+          <a:chExt cx="0" cy="0"/>
+        </a:xfrm>
+      </p:grpSpPr>
       <p:sp>
         <p:nvSpPr>
           <p:cNvPr id="2" name="Título 1"/>
@@ -3852,6 +4172,7 @@
         <p:spPr/>
         <p:txBody>
           <a:bodyPr/>
+          <a:lstStyle/>
           <a:p>
             <a:r>
               <a:rPr lang="pt-BR" altLang="en-US">
@@ -3878,12 +4199,12 @@
           <a:bodyPr>
             <a:normAutofit/>
           </a:bodyPr>
+          <a:lstStyle/>
           <a:p>
             <a:r>
               <a:rPr lang="pt-BR" altLang="en-US"/>
               <a:t>Registradores usados no Projeto:</a:t>
             </a:r>
-            <a:endParaRPr lang="pt-BR" altLang="en-US"/>
           </a:p>
           <a:p>
             <a:pPr marL="0" indent="0">
@@ -3963,7 +4284,6 @@
               <a:rPr lang="pt-BR" altLang="en-US"/>
               <a:t>SS         PINB2	</a:t>
             </a:r>
-            <a:endParaRPr lang="pt-BR" altLang="en-US"/>
           </a:p>
           <a:p>
             <a:endParaRPr lang="pt-BR" altLang="en-US"/>
@@ -3989,9 +4309,11 @@
         <p:spPr/>
         <p:txBody>
           <a:bodyPr/>
+          <a:lstStyle/>
           <a:p>
             <a:fld id="{E3682030-28A4-485C-A222-4952DDFF562A}" type="slidenum">
               <a:rPr lang="pt-BR" smtClean="0"/>
+              <a:t>8</a:t>
             </a:fld>
             <a:endParaRPr lang="pt-BR"/>
           </a:p>
@@ -4014,7 +4336,14 @@
         <p:cNvGrpSpPr/>
         <p:nvPr/>
       </p:nvGrpSpPr>
-      <p:grpSpPr/>
+      <p:grpSpPr>
+        <a:xfrm>
+          <a:off x="0" y="0"/>
+          <a:ext cx="0" cy="0"/>
+          <a:chOff x="0" y="0"/>
+          <a:chExt cx="0" cy="0"/>
+        </a:xfrm>
+      </p:grpSpPr>
       <p:sp>
         <p:nvSpPr>
           <p:cNvPr id="2" name="Título 1"/>
@@ -4028,12 +4357,12 @@
         <p:spPr/>
         <p:txBody>
           <a:bodyPr/>
+          <a:lstStyle/>
           <a:p>
             <a:r>
               <a:rPr lang="pt-BR" altLang="en-US"/>
               <a:t>SPI: Montagem na Protoboard</a:t>
             </a:r>
-            <a:endParaRPr lang="pt-BR" altLang="en-US"/>
           </a:p>
         </p:txBody>
       </p:sp>
@@ -4041,14 +4370,14 @@
         <p:nvPicPr>
           <p:cNvPr id="4" name="Espaço Reservado para Conteúdo 3" descr="SPI_Fritzing_bb"/>
           <p:cNvPicPr>
-            <a:picLocks noChangeAspect="1"/>
+            <a:picLocks noGrp="1" noChangeAspect="1"/>
           </p:cNvPicPr>
           <p:nvPr>
             <p:ph idx="1"/>
           </p:nvPr>
         </p:nvPicPr>
         <p:blipFill>
-          <a:blip r:embed="rId1"/>
+          <a:blip r:embed="rId2"/>
           <a:stretch>
             <a:fillRect/>
           </a:stretch>
@@ -4076,9 +4405,11 @@
         <p:spPr/>
         <p:txBody>
           <a:bodyPr/>
+          <a:lstStyle/>
           <a:p>
             <a:fld id="{E3682030-28A4-485C-A222-4952DDFF562A}" type="slidenum">
               <a:rPr lang="pt-BR" smtClean="0"/>
+              <a:t>9</a:t>
             </a:fld>
             <a:endParaRPr lang="pt-BR"/>
           </a:p>
@@ -4343,6 +4674,8 @@
       </a:bgFillStyleLst>
     </a:fmtScheme>
   </a:themeElements>
+  <a:objectDefaults/>
+  <a:extraClrSchemeLst/>
   <a:extLst>
     <a:ext uri="{05A4C25C-085E-4340-85A3-A5531E510DB2}">
       <thm15:themeFamily xmlns:thm15="http://schemas.microsoft.com/office/thememl/2012/main" name="Office Theme" id="{62F939B6-93AF-4DB8-9C6B-D6C7DFDC589F}" vid="{4A3C46E8-61CC-4603-A589-7422A47A8E4A}"/>
@@ -4602,6 +4935,8 @@
       </a:bgFillStyleLst>
     </a:fmtScheme>
   </a:themeElements>
+  <a:objectDefaults/>
+  <a:extraClrSchemeLst/>
   <a:extLst>
     <a:ext uri="{05A4C25C-085E-4340-85A3-A5531E510DB2}">
       <thm15:themeFamily xmlns:thm15="http://schemas.microsoft.com/office/thememl/2012/main" name="Office Theme" id="{62F939B6-93AF-4DB8-9C6B-D6C7DFDC589F}" vid="{4A3C46E8-61CC-4603-A589-7422A47A8E4A}"/>
